--- a/ppt 16-9/0715.教会祷告.pptx
+++ b/ppt 16-9/0715.教会祷告.pptx
@@ -129,7 +129,7 @@
           <p:cNvPr id="2" name="标题 1">
             <a:extLst>
               <a:ext uri="{FF2B5EF4-FFF2-40B4-BE49-F238E27FC236}">
-                <a16:creationId xmlns:a16="http://schemas.microsoft.com/office/drawing/2014/main" id="{CD2D04AA-19BA-EBE2-708B-BE2EC6CAAA0D}"/>
+                <a16:creationId xmlns:a16="http://schemas.microsoft.com/office/drawing/2014/main" id="{11846F29-4F53-695E-E34E-EF7FB2D47F0B}"/>
               </a:ext>
             </a:extLst>
           </p:cNvPr>
@@ -166,7 +166,7 @@
           <p:cNvPr id="3" name="副标题 2">
             <a:extLst>
               <a:ext uri="{FF2B5EF4-FFF2-40B4-BE49-F238E27FC236}">
-                <a16:creationId xmlns:a16="http://schemas.microsoft.com/office/drawing/2014/main" id="{4F3BE786-60C0-1B06-F47E-6203497B8ED9}"/>
+                <a16:creationId xmlns:a16="http://schemas.microsoft.com/office/drawing/2014/main" id="{BED33C7A-061A-8E20-2564-994918115BF9}"/>
               </a:ext>
             </a:extLst>
           </p:cNvPr>
@@ -236,7 +236,7 @@
           <p:cNvPr id="4" name="日期占位符 3">
             <a:extLst>
               <a:ext uri="{FF2B5EF4-FFF2-40B4-BE49-F238E27FC236}">
-                <a16:creationId xmlns:a16="http://schemas.microsoft.com/office/drawing/2014/main" id="{8CE7F4C1-5E07-86A2-5005-61B98E68FF95}"/>
+                <a16:creationId xmlns:a16="http://schemas.microsoft.com/office/drawing/2014/main" id="{B31A416D-9CB7-3AB3-5330-E07E23637266}"/>
               </a:ext>
             </a:extLst>
           </p:cNvPr>
@@ -252,7 +252,7 @@
           <a:bodyPr/>
           <a:lstStyle/>
           <a:p>
-            <a:fld id="{DA3862A0-FCC6-4C04-97E7-BFADA819B2B0}" type="datetimeFigureOut">
+            <a:fld id="{2BA32728-FF43-4A54-AD6E-FE276772502E}" type="datetimeFigureOut">
               <a:rPr lang="zh-CN" altLang="en-US" smtClean="0"/>
               <a:t>2024/3/10</a:t>
             </a:fld>
@@ -265,7 +265,7 @@
           <p:cNvPr id="5" name="页脚占位符 4">
             <a:extLst>
               <a:ext uri="{FF2B5EF4-FFF2-40B4-BE49-F238E27FC236}">
-                <a16:creationId xmlns:a16="http://schemas.microsoft.com/office/drawing/2014/main" id="{51751677-F2FA-1D25-1082-3A69D9108208}"/>
+                <a16:creationId xmlns:a16="http://schemas.microsoft.com/office/drawing/2014/main" id="{E7067D43-4913-261D-2865-45FD33A78FD8}"/>
               </a:ext>
             </a:extLst>
           </p:cNvPr>
@@ -290,7 +290,7 @@
           <p:cNvPr id="6" name="灯片编号占位符 5">
             <a:extLst>
               <a:ext uri="{FF2B5EF4-FFF2-40B4-BE49-F238E27FC236}">
-                <a16:creationId xmlns:a16="http://schemas.microsoft.com/office/drawing/2014/main" id="{F5E6DBB7-20FD-9C88-8880-E18052ECCDE5}"/>
+                <a16:creationId xmlns:a16="http://schemas.microsoft.com/office/drawing/2014/main" id="{AE63D075-B4E5-785C-8246-0181E135C93C}"/>
               </a:ext>
             </a:extLst>
           </p:cNvPr>
@@ -306,7 +306,7 @@
           <a:bodyPr/>
           <a:lstStyle/>
           <a:p>
-            <a:fld id="{C6231266-D360-4B2D-9AB5-7351A1479FBC}" type="slidenum">
+            <a:fld id="{B94E0B21-A42C-4E22-9492-1D25BBC8D889}" type="slidenum">
               <a:rPr lang="zh-CN" altLang="en-US" smtClean="0"/>
               <a:t>‹#›</a:t>
             </a:fld>
@@ -317,7 +317,7 @@
     </p:spTree>
     <p:extLst>
       <p:ext uri="{BB962C8B-B14F-4D97-AF65-F5344CB8AC3E}">
-        <p14:creationId xmlns:p14="http://schemas.microsoft.com/office/powerpoint/2010/main" val="890969602"/>
+        <p14:creationId xmlns:p14="http://schemas.microsoft.com/office/powerpoint/2010/main" val="3606107677"/>
       </p:ext>
     </p:extLst>
   </p:cSld>
@@ -349,7 +349,7 @@
           <p:cNvPr id="2" name="标题 1">
             <a:extLst>
               <a:ext uri="{FF2B5EF4-FFF2-40B4-BE49-F238E27FC236}">
-                <a16:creationId xmlns:a16="http://schemas.microsoft.com/office/drawing/2014/main" id="{63966ACF-0732-B635-CA93-C825EF1DE7E8}"/>
+                <a16:creationId xmlns:a16="http://schemas.microsoft.com/office/drawing/2014/main" id="{F5A0E4B4-43A0-35EB-815C-1E040061E261}"/>
               </a:ext>
             </a:extLst>
           </p:cNvPr>
@@ -377,7 +377,7 @@
           <p:cNvPr id="3" name="竖排文字占位符 2">
             <a:extLst>
               <a:ext uri="{FF2B5EF4-FFF2-40B4-BE49-F238E27FC236}">
-                <a16:creationId xmlns:a16="http://schemas.microsoft.com/office/drawing/2014/main" id="{BEC0D448-80FF-79C6-1781-65CC0AB115BA}"/>
+                <a16:creationId xmlns:a16="http://schemas.microsoft.com/office/drawing/2014/main" id="{45FCD90D-991C-9C35-7050-0C7A03A57CED}"/>
               </a:ext>
             </a:extLst>
           </p:cNvPr>
@@ -434,7 +434,7 @@
           <p:cNvPr id="4" name="日期占位符 3">
             <a:extLst>
               <a:ext uri="{FF2B5EF4-FFF2-40B4-BE49-F238E27FC236}">
-                <a16:creationId xmlns:a16="http://schemas.microsoft.com/office/drawing/2014/main" id="{34476C16-FA08-FB82-FF01-1F30FC109DEC}"/>
+                <a16:creationId xmlns:a16="http://schemas.microsoft.com/office/drawing/2014/main" id="{B54A8229-85AE-1AAC-43D5-D7DF117CB040}"/>
               </a:ext>
             </a:extLst>
           </p:cNvPr>
@@ -450,7 +450,7 @@
           <a:bodyPr/>
           <a:lstStyle/>
           <a:p>
-            <a:fld id="{DA3862A0-FCC6-4C04-97E7-BFADA819B2B0}" type="datetimeFigureOut">
+            <a:fld id="{2BA32728-FF43-4A54-AD6E-FE276772502E}" type="datetimeFigureOut">
               <a:rPr lang="zh-CN" altLang="en-US" smtClean="0"/>
               <a:t>2024/3/10</a:t>
             </a:fld>
@@ -463,7 +463,7 @@
           <p:cNvPr id="5" name="页脚占位符 4">
             <a:extLst>
               <a:ext uri="{FF2B5EF4-FFF2-40B4-BE49-F238E27FC236}">
-                <a16:creationId xmlns:a16="http://schemas.microsoft.com/office/drawing/2014/main" id="{55D2F047-B840-6878-D935-7D2DC9135D79}"/>
+                <a16:creationId xmlns:a16="http://schemas.microsoft.com/office/drawing/2014/main" id="{60E8248D-EDBA-16C6-E297-AF328921EFB9}"/>
               </a:ext>
             </a:extLst>
           </p:cNvPr>
@@ -488,7 +488,7 @@
           <p:cNvPr id="6" name="灯片编号占位符 5">
             <a:extLst>
               <a:ext uri="{FF2B5EF4-FFF2-40B4-BE49-F238E27FC236}">
-                <a16:creationId xmlns:a16="http://schemas.microsoft.com/office/drawing/2014/main" id="{47A72A3A-F00A-C72D-D7C5-108553C80079}"/>
+                <a16:creationId xmlns:a16="http://schemas.microsoft.com/office/drawing/2014/main" id="{F10E4EB0-91B0-2599-540A-FE996B0A4EC3}"/>
               </a:ext>
             </a:extLst>
           </p:cNvPr>
@@ -504,7 +504,7 @@
           <a:bodyPr/>
           <a:lstStyle/>
           <a:p>
-            <a:fld id="{C6231266-D360-4B2D-9AB5-7351A1479FBC}" type="slidenum">
+            <a:fld id="{B94E0B21-A42C-4E22-9492-1D25BBC8D889}" type="slidenum">
               <a:rPr lang="zh-CN" altLang="en-US" smtClean="0"/>
               <a:t>‹#›</a:t>
             </a:fld>
@@ -515,7 +515,7 @@
     </p:spTree>
     <p:extLst>
       <p:ext uri="{BB962C8B-B14F-4D97-AF65-F5344CB8AC3E}">
-        <p14:creationId xmlns:p14="http://schemas.microsoft.com/office/powerpoint/2010/main" val="219749928"/>
+        <p14:creationId xmlns:p14="http://schemas.microsoft.com/office/powerpoint/2010/main" val="2391805146"/>
       </p:ext>
     </p:extLst>
   </p:cSld>
@@ -547,7 +547,7 @@
           <p:cNvPr id="2" name="竖排标题 1">
             <a:extLst>
               <a:ext uri="{FF2B5EF4-FFF2-40B4-BE49-F238E27FC236}">
-                <a16:creationId xmlns:a16="http://schemas.microsoft.com/office/drawing/2014/main" id="{3E6602AF-992D-AD41-41EE-E4E30D0ABDBE}"/>
+                <a16:creationId xmlns:a16="http://schemas.microsoft.com/office/drawing/2014/main" id="{BB6F53C4-018D-BA56-AA13-C7A96B325D47}"/>
               </a:ext>
             </a:extLst>
           </p:cNvPr>
@@ -580,7 +580,7 @@
           <p:cNvPr id="3" name="竖排文字占位符 2">
             <a:extLst>
               <a:ext uri="{FF2B5EF4-FFF2-40B4-BE49-F238E27FC236}">
-                <a16:creationId xmlns:a16="http://schemas.microsoft.com/office/drawing/2014/main" id="{AEF4DE73-668D-612B-C4C3-7C9A713D8E08}"/>
+                <a16:creationId xmlns:a16="http://schemas.microsoft.com/office/drawing/2014/main" id="{1B08A22D-5FB0-EF7F-2FC2-CAD26E795B52}"/>
               </a:ext>
             </a:extLst>
           </p:cNvPr>
@@ -642,7 +642,7 @@
           <p:cNvPr id="4" name="日期占位符 3">
             <a:extLst>
               <a:ext uri="{FF2B5EF4-FFF2-40B4-BE49-F238E27FC236}">
-                <a16:creationId xmlns:a16="http://schemas.microsoft.com/office/drawing/2014/main" id="{268ADD4E-8E0B-7FD7-033A-7C5F9F9C2A8A}"/>
+                <a16:creationId xmlns:a16="http://schemas.microsoft.com/office/drawing/2014/main" id="{E96604F4-2B1F-05B5-1DE6-A61389EF315C}"/>
               </a:ext>
             </a:extLst>
           </p:cNvPr>
@@ -658,7 +658,7 @@
           <a:bodyPr/>
           <a:lstStyle/>
           <a:p>
-            <a:fld id="{DA3862A0-FCC6-4C04-97E7-BFADA819B2B0}" type="datetimeFigureOut">
+            <a:fld id="{2BA32728-FF43-4A54-AD6E-FE276772502E}" type="datetimeFigureOut">
               <a:rPr lang="zh-CN" altLang="en-US" smtClean="0"/>
               <a:t>2024/3/10</a:t>
             </a:fld>
@@ -671,7 +671,7 @@
           <p:cNvPr id="5" name="页脚占位符 4">
             <a:extLst>
               <a:ext uri="{FF2B5EF4-FFF2-40B4-BE49-F238E27FC236}">
-                <a16:creationId xmlns:a16="http://schemas.microsoft.com/office/drawing/2014/main" id="{AF49A43B-98EF-5911-E062-FB423DE6413A}"/>
+                <a16:creationId xmlns:a16="http://schemas.microsoft.com/office/drawing/2014/main" id="{7BE7EAD1-5485-ED74-2A29-792127DCB9C9}"/>
               </a:ext>
             </a:extLst>
           </p:cNvPr>
@@ -696,7 +696,7 @@
           <p:cNvPr id="6" name="灯片编号占位符 5">
             <a:extLst>
               <a:ext uri="{FF2B5EF4-FFF2-40B4-BE49-F238E27FC236}">
-                <a16:creationId xmlns:a16="http://schemas.microsoft.com/office/drawing/2014/main" id="{D6F0C13B-3B70-2531-4134-2FA78D6B6C01}"/>
+                <a16:creationId xmlns:a16="http://schemas.microsoft.com/office/drawing/2014/main" id="{0A3453C3-3D09-97EA-EEF7-C3390A853E7E}"/>
               </a:ext>
             </a:extLst>
           </p:cNvPr>
@@ -712,7 +712,7 @@
           <a:bodyPr/>
           <a:lstStyle/>
           <a:p>
-            <a:fld id="{C6231266-D360-4B2D-9AB5-7351A1479FBC}" type="slidenum">
+            <a:fld id="{B94E0B21-A42C-4E22-9492-1D25BBC8D889}" type="slidenum">
               <a:rPr lang="zh-CN" altLang="en-US" smtClean="0"/>
               <a:t>‹#›</a:t>
             </a:fld>
@@ -723,7 +723,7 @@
     </p:spTree>
     <p:extLst>
       <p:ext uri="{BB962C8B-B14F-4D97-AF65-F5344CB8AC3E}">
-        <p14:creationId xmlns:p14="http://schemas.microsoft.com/office/powerpoint/2010/main" val="2696906442"/>
+        <p14:creationId xmlns:p14="http://schemas.microsoft.com/office/powerpoint/2010/main" val="3502236782"/>
       </p:ext>
     </p:extLst>
   </p:cSld>
@@ -755,7 +755,7 @@
           <p:cNvPr id="2" name="标题 1">
             <a:extLst>
               <a:ext uri="{FF2B5EF4-FFF2-40B4-BE49-F238E27FC236}">
-                <a16:creationId xmlns:a16="http://schemas.microsoft.com/office/drawing/2014/main" id="{94F3974A-0634-5FA7-2087-16EA66624A56}"/>
+                <a16:creationId xmlns:a16="http://schemas.microsoft.com/office/drawing/2014/main" id="{1429BC73-1B62-832E-419C-2AAD7A49153C}"/>
               </a:ext>
             </a:extLst>
           </p:cNvPr>
@@ -783,7 +783,7 @@
           <p:cNvPr id="3" name="内容占位符 2">
             <a:extLst>
               <a:ext uri="{FF2B5EF4-FFF2-40B4-BE49-F238E27FC236}">
-                <a16:creationId xmlns:a16="http://schemas.microsoft.com/office/drawing/2014/main" id="{C7FE61DB-2B95-EB38-21D3-5C3078F9527D}"/>
+                <a16:creationId xmlns:a16="http://schemas.microsoft.com/office/drawing/2014/main" id="{874F5C10-B92A-86DB-8061-123590A7FA33}"/>
               </a:ext>
             </a:extLst>
           </p:cNvPr>
@@ -840,7 +840,7 @@
           <p:cNvPr id="4" name="日期占位符 3">
             <a:extLst>
               <a:ext uri="{FF2B5EF4-FFF2-40B4-BE49-F238E27FC236}">
-                <a16:creationId xmlns:a16="http://schemas.microsoft.com/office/drawing/2014/main" id="{2952F925-D22D-4415-A469-EAF0B1425D67}"/>
+                <a16:creationId xmlns:a16="http://schemas.microsoft.com/office/drawing/2014/main" id="{C9063AAC-8121-C6B7-45D0-FB98BF075768}"/>
               </a:ext>
             </a:extLst>
           </p:cNvPr>
@@ -856,7 +856,7 @@
           <a:bodyPr/>
           <a:lstStyle/>
           <a:p>
-            <a:fld id="{DA3862A0-FCC6-4C04-97E7-BFADA819B2B0}" type="datetimeFigureOut">
+            <a:fld id="{2BA32728-FF43-4A54-AD6E-FE276772502E}" type="datetimeFigureOut">
               <a:rPr lang="zh-CN" altLang="en-US" smtClean="0"/>
               <a:t>2024/3/10</a:t>
             </a:fld>
@@ -869,7 +869,7 @@
           <p:cNvPr id="5" name="页脚占位符 4">
             <a:extLst>
               <a:ext uri="{FF2B5EF4-FFF2-40B4-BE49-F238E27FC236}">
-                <a16:creationId xmlns:a16="http://schemas.microsoft.com/office/drawing/2014/main" id="{38AE4AF2-DA50-3B2E-1A1A-BECFD43BB328}"/>
+                <a16:creationId xmlns:a16="http://schemas.microsoft.com/office/drawing/2014/main" id="{AF8DFA17-24EA-C858-B223-40FF06EEA115}"/>
               </a:ext>
             </a:extLst>
           </p:cNvPr>
@@ -894,7 +894,7 @@
           <p:cNvPr id="6" name="灯片编号占位符 5">
             <a:extLst>
               <a:ext uri="{FF2B5EF4-FFF2-40B4-BE49-F238E27FC236}">
-                <a16:creationId xmlns:a16="http://schemas.microsoft.com/office/drawing/2014/main" id="{09ACB1A1-13E3-0402-8E71-B72C02248453}"/>
+                <a16:creationId xmlns:a16="http://schemas.microsoft.com/office/drawing/2014/main" id="{FFE19E53-ECC6-74ED-AAD8-0DF5A5EAFD31}"/>
               </a:ext>
             </a:extLst>
           </p:cNvPr>
@@ -910,7 +910,7 @@
           <a:bodyPr/>
           <a:lstStyle/>
           <a:p>
-            <a:fld id="{C6231266-D360-4B2D-9AB5-7351A1479FBC}" type="slidenum">
+            <a:fld id="{B94E0B21-A42C-4E22-9492-1D25BBC8D889}" type="slidenum">
               <a:rPr lang="zh-CN" altLang="en-US" smtClean="0"/>
               <a:t>‹#›</a:t>
             </a:fld>
@@ -921,7 +921,7 @@
     </p:spTree>
     <p:extLst>
       <p:ext uri="{BB962C8B-B14F-4D97-AF65-F5344CB8AC3E}">
-        <p14:creationId xmlns:p14="http://schemas.microsoft.com/office/powerpoint/2010/main" val="3605024794"/>
+        <p14:creationId xmlns:p14="http://schemas.microsoft.com/office/powerpoint/2010/main" val="735534048"/>
       </p:ext>
     </p:extLst>
   </p:cSld>
@@ -953,7 +953,7 @@
           <p:cNvPr id="2" name="标题 1">
             <a:extLst>
               <a:ext uri="{FF2B5EF4-FFF2-40B4-BE49-F238E27FC236}">
-                <a16:creationId xmlns:a16="http://schemas.microsoft.com/office/drawing/2014/main" id="{FF5E959A-D071-813A-8EBE-20A3AC805276}"/>
+                <a16:creationId xmlns:a16="http://schemas.microsoft.com/office/drawing/2014/main" id="{AACAA3BB-F8B4-0AAA-A832-9E90FD466D15}"/>
               </a:ext>
             </a:extLst>
           </p:cNvPr>
@@ -990,7 +990,7 @@
           <p:cNvPr id="3" name="文本占位符 2">
             <a:extLst>
               <a:ext uri="{FF2B5EF4-FFF2-40B4-BE49-F238E27FC236}">
-                <a16:creationId xmlns:a16="http://schemas.microsoft.com/office/drawing/2014/main" id="{8684DA62-EABE-30E3-3801-D4145D54A711}"/>
+                <a16:creationId xmlns:a16="http://schemas.microsoft.com/office/drawing/2014/main" id="{BC3D4E2F-5C3F-EADD-7648-91B16F81269E}"/>
               </a:ext>
             </a:extLst>
           </p:cNvPr>
@@ -1115,7 +1115,7 @@
           <p:cNvPr id="4" name="日期占位符 3">
             <a:extLst>
               <a:ext uri="{FF2B5EF4-FFF2-40B4-BE49-F238E27FC236}">
-                <a16:creationId xmlns:a16="http://schemas.microsoft.com/office/drawing/2014/main" id="{56D61C10-3123-258B-43F6-FCC1F427C0DC}"/>
+                <a16:creationId xmlns:a16="http://schemas.microsoft.com/office/drawing/2014/main" id="{F9D29112-14EF-3F16-D4C3-305E91F89AE8}"/>
               </a:ext>
             </a:extLst>
           </p:cNvPr>
@@ -1131,7 +1131,7 @@
           <a:bodyPr/>
           <a:lstStyle/>
           <a:p>
-            <a:fld id="{DA3862A0-FCC6-4C04-97E7-BFADA819B2B0}" type="datetimeFigureOut">
+            <a:fld id="{2BA32728-FF43-4A54-AD6E-FE276772502E}" type="datetimeFigureOut">
               <a:rPr lang="zh-CN" altLang="en-US" smtClean="0"/>
               <a:t>2024/3/10</a:t>
             </a:fld>
@@ -1144,7 +1144,7 @@
           <p:cNvPr id="5" name="页脚占位符 4">
             <a:extLst>
               <a:ext uri="{FF2B5EF4-FFF2-40B4-BE49-F238E27FC236}">
-                <a16:creationId xmlns:a16="http://schemas.microsoft.com/office/drawing/2014/main" id="{E9DC0312-090B-DCAE-5D79-2506B26F34C3}"/>
+                <a16:creationId xmlns:a16="http://schemas.microsoft.com/office/drawing/2014/main" id="{4D7DE9C5-BFBF-6732-4EDE-4A621401B34C}"/>
               </a:ext>
             </a:extLst>
           </p:cNvPr>
@@ -1169,7 +1169,7 @@
           <p:cNvPr id="6" name="灯片编号占位符 5">
             <a:extLst>
               <a:ext uri="{FF2B5EF4-FFF2-40B4-BE49-F238E27FC236}">
-                <a16:creationId xmlns:a16="http://schemas.microsoft.com/office/drawing/2014/main" id="{AC29DD58-C3E8-0021-0806-5AE7AF60DF63}"/>
+                <a16:creationId xmlns:a16="http://schemas.microsoft.com/office/drawing/2014/main" id="{C8B03F21-BE04-92C9-E51E-E14D5634FA31}"/>
               </a:ext>
             </a:extLst>
           </p:cNvPr>
@@ -1185,7 +1185,7 @@
           <a:bodyPr/>
           <a:lstStyle/>
           <a:p>
-            <a:fld id="{C6231266-D360-4B2D-9AB5-7351A1479FBC}" type="slidenum">
+            <a:fld id="{B94E0B21-A42C-4E22-9492-1D25BBC8D889}" type="slidenum">
               <a:rPr lang="zh-CN" altLang="en-US" smtClean="0"/>
               <a:t>‹#›</a:t>
             </a:fld>
@@ -1196,7 +1196,7 @@
     </p:spTree>
     <p:extLst>
       <p:ext uri="{BB962C8B-B14F-4D97-AF65-F5344CB8AC3E}">
-        <p14:creationId xmlns:p14="http://schemas.microsoft.com/office/powerpoint/2010/main" val="2776550698"/>
+        <p14:creationId xmlns:p14="http://schemas.microsoft.com/office/powerpoint/2010/main" val="418522626"/>
       </p:ext>
     </p:extLst>
   </p:cSld>
@@ -1228,7 +1228,7 @@
           <p:cNvPr id="2" name="标题 1">
             <a:extLst>
               <a:ext uri="{FF2B5EF4-FFF2-40B4-BE49-F238E27FC236}">
-                <a16:creationId xmlns:a16="http://schemas.microsoft.com/office/drawing/2014/main" id="{462EA66C-9F4D-52FF-E25A-F9457E0957C6}"/>
+                <a16:creationId xmlns:a16="http://schemas.microsoft.com/office/drawing/2014/main" id="{609C5BAA-9394-DBC9-A105-CF0CDB1A6695}"/>
               </a:ext>
             </a:extLst>
           </p:cNvPr>
@@ -1256,7 +1256,7 @@
           <p:cNvPr id="3" name="内容占位符 2">
             <a:extLst>
               <a:ext uri="{FF2B5EF4-FFF2-40B4-BE49-F238E27FC236}">
-                <a16:creationId xmlns:a16="http://schemas.microsoft.com/office/drawing/2014/main" id="{9482321A-8DE8-DA52-40A2-47BEE0469D5A}"/>
+                <a16:creationId xmlns:a16="http://schemas.microsoft.com/office/drawing/2014/main" id="{665F386E-D1FE-31F1-40C4-9FD781027126}"/>
               </a:ext>
             </a:extLst>
           </p:cNvPr>
@@ -1318,7 +1318,7 @@
           <p:cNvPr id="4" name="内容占位符 3">
             <a:extLst>
               <a:ext uri="{FF2B5EF4-FFF2-40B4-BE49-F238E27FC236}">
-                <a16:creationId xmlns:a16="http://schemas.microsoft.com/office/drawing/2014/main" id="{83487330-72EB-1957-FF50-267BF2E7E8FC}"/>
+                <a16:creationId xmlns:a16="http://schemas.microsoft.com/office/drawing/2014/main" id="{ED558EF3-91D3-0F2A-B0D1-9B914A25C836}"/>
               </a:ext>
             </a:extLst>
           </p:cNvPr>
@@ -1380,7 +1380,7 @@
           <p:cNvPr id="5" name="日期占位符 4">
             <a:extLst>
               <a:ext uri="{FF2B5EF4-FFF2-40B4-BE49-F238E27FC236}">
-                <a16:creationId xmlns:a16="http://schemas.microsoft.com/office/drawing/2014/main" id="{750478A1-B8CB-5C8A-D556-AF98FFB46021}"/>
+                <a16:creationId xmlns:a16="http://schemas.microsoft.com/office/drawing/2014/main" id="{36259661-15A5-1C89-2E3A-87D3C91D45C3}"/>
               </a:ext>
             </a:extLst>
           </p:cNvPr>
@@ -1396,7 +1396,7 @@
           <a:bodyPr/>
           <a:lstStyle/>
           <a:p>
-            <a:fld id="{DA3862A0-FCC6-4C04-97E7-BFADA819B2B0}" type="datetimeFigureOut">
+            <a:fld id="{2BA32728-FF43-4A54-AD6E-FE276772502E}" type="datetimeFigureOut">
               <a:rPr lang="zh-CN" altLang="en-US" smtClean="0"/>
               <a:t>2024/3/10</a:t>
             </a:fld>
@@ -1409,7 +1409,7 @@
           <p:cNvPr id="6" name="页脚占位符 5">
             <a:extLst>
               <a:ext uri="{FF2B5EF4-FFF2-40B4-BE49-F238E27FC236}">
-                <a16:creationId xmlns:a16="http://schemas.microsoft.com/office/drawing/2014/main" id="{01531F51-83CF-483D-F246-45F93A0DFE9D}"/>
+                <a16:creationId xmlns:a16="http://schemas.microsoft.com/office/drawing/2014/main" id="{0C781B62-9747-BFD7-ABD9-A855538A530B}"/>
               </a:ext>
             </a:extLst>
           </p:cNvPr>
@@ -1434,7 +1434,7 @@
           <p:cNvPr id="7" name="灯片编号占位符 6">
             <a:extLst>
               <a:ext uri="{FF2B5EF4-FFF2-40B4-BE49-F238E27FC236}">
-                <a16:creationId xmlns:a16="http://schemas.microsoft.com/office/drawing/2014/main" id="{AC08F35B-FE29-25A0-BF6B-E15BA94F35F4}"/>
+                <a16:creationId xmlns:a16="http://schemas.microsoft.com/office/drawing/2014/main" id="{D0086624-355C-F036-075D-22DD16B8D50A}"/>
               </a:ext>
             </a:extLst>
           </p:cNvPr>
@@ -1450,7 +1450,7 @@
           <a:bodyPr/>
           <a:lstStyle/>
           <a:p>
-            <a:fld id="{C6231266-D360-4B2D-9AB5-7351A1479FBC}" type="slidenum">
+            <a:fld id="{B94E0B21-A42C-4E22-9492-1D25BBC8D889}" type="slidenum">
               <a:rPr lang="zh-CN" altLang="en-US" smtClean="0"/>
               <a:t>‹#›</a:t>
             </a:fld>
@@ -1461,7 +1461,7 @@
     </p:spTree>
     <p:extLst>
       <p:ext uri="{BB962C8B-B14F-4D97-AF65-F5344CB8AC3E}">
-        <p14:creationId xmlns:p14="http://schemas.microsoft.com/office/powerpoint/2010/main" val="3662453878"/>
+        <p14:creationId xmlns:p14="http://schemas.microsoft.com/office/powerpoint/2010/main" val="1338120079"/>
       </p:ext>
     </p:extLst>
   </p:cSld>
@@ -1493,7 +1493,7 @@
           <p:cNvPr id="2" name="标题 1">
             <a:extLst>
               <a:ext uri="{FF2B5EF4-FFF2-40B4-BE49-F238E27FC236}">
-                <a16:creationId xmlns:a16="http://schemas.microsoft.com/office/drawing/2014/main" id="{E556E1FF-ADDA-BF51-BA3E-CEBDBB0E0BBE}"/>
+                <a16:creationId xmlns:a16="http://schemas.microsoft.com/office/drawing/2014/main" id="{ECC7C494-DF97-799D-25BD-4531DC2477A1}"/>
               </a:ext>
             </a:extLst>
           </p:cNvPr>
@@ -1526,7 +1526,7 @@
           <p:cNvPr id="3" name="文本占位符 2">
             <a:extLst>
               <a:ext uri="{FF2B5EF4-FFF2-40B4-BE49-F238E27FC236}">
-                <a16:creationId xmlns:a16="http://schemas.microsoft.com/office/drawing/2014/main" id="{FDC28D1D-481D-0E39-0753-9097F6F99CE6}"/>
+                <a16:creationId xmlns:a16="http://schemas.microsoft.com/office/drawing/2014/main" id="{9FA4CA72-1A61-6E55-C9BF-6E73474E7FE0}"/>
               </a:ext>
             </a:extLst>
           </p:cNvPr>
@@ -1597,7 +1597,7 @@
           <p:cNvPr id="4" name="内容占位符 3">
             <a:extLst>
               <a:ext uri="{FF2B5EF4-FFF2-40B4-BE49-F238E27FC236}">
-                <a16:creationId xmlns:a16="http://schemas.microsoft.com/office/drawing/2014/main" id="{71C195D8-1636-4C02-A09E-400332FFC5F9}"/>
+                <a16:creationId xmlns:a16="http://schemas.microsoft.com/office/drawing/2014/main" id="{CCF6AFD1-7787-686D-A7EB-E66776581319}"/>
               </a:ext>
             </a:extLst>
           </p:cNvPr>
@@ -1659,7 +1659,7 @@
           <p:cNvPr id="5" name="文本占位符 4">
             <a:extLst>
               <a:ext uri="{FF2B5EF4-FFF2-40B4-BE49-F238E27FC236}">
-                <a16:creationId xmlns:a16="http://schemas.microsoft.com/office/drawing/2014/main" id="{00B40947-B74E-A9E4-162B-3A057C9A9C5B}"/>
+                <a16:creationId xmlns:a16="http://schemas.microsoft.com/office/drawing/2014/main" id="{B2D62A4A-FAD8-62C3-A726-9EB32B4965BF}"/>
               </a:ext>
             </a:extLst>
           </p:cNvPr>
@@ -1730,7 +1730,7 @@
           <p:cNvPr id="6" name="内容占位符 5">
             <a:extLst>
               <a:ext uri="{FF2B5EF4-FFF2-40B4-BE49-F238E27FC236}">
-                <a16:creationId xmlns:a16="http://schemas.microsoft.com/office/drawing/2014/main" id="{731177AD-A3F4-0F3D-50D4-FF4C3B8F7FC1}"/>
+                <a16:creationId xmlns:a16="http://schemas.microsoft.com/office/drawing/2014/main" id="{06FF1C12-FBAB-A7F8-DF13-282CFB8734BB}"/>
               </a:ext>
             </a:extLst>
           </p:cNvPr>
@@ -1792,7 +1792,7 @@
           <p:cNvPr id="7" name="日期占位符 6">
             <a:extLst>
               <a:ext uri="{FF2B5EF4-FFF2-40B4-BE49-F238E27FC236}">
-                <a16:creationId xmlns:a16="http://schemas.microsoft.com/office/drawing/2014/main" id="{53D3F490-3454-262F-7AD1-5A3660DE50E3}"/>
+                <a16:creationId xmlns:a16="http://schemas.microsoft.com/office/drawing/2014/main" id="{A7CE386F-6F93-361C-B09C-9409C95222B4}"/>
               </a:ext>
             </a:extLst>
           </p:cNvPr>
@@ -1808,7 +1808,7 @@
           <a:bodyPr/>
           <a:lstStyle/>
           <a:p>
-            <a:fld id="{DA3862A0-FCC6-4C04-97E7-BFADA819B2B0}" type="datetimeFigureOut">
+            <a:fld id="{2BA32728-FF43-4A54-AD6E-FE276772502E}" type="datetimeFigureOut">
               <a:rPr lang="zh-CN" altLang="en-US" smtClean="0"/>
               <a:t>2024/3/10</a:t>
             </a:fld>
@@ -1821,7 +1821,7 @@
           <p:cNvPr id="8" name="页脚占位符 7">
             <a:extLst>
               <a:ext uri="{FF2B5EF4-FFF2-40B4-BE49-F238E27FC236}">
-                <a16:creationId xmlns:a16="http://schemas.microsoft.com/office/drawing/2014/main" id="{64B2C7FA-8767-3345-9CF5-E6F802079583}"/>
+                <a16:creationId xmlns:a16="http://schemas.microsoft.com/office/drawing/2014/main" id="{E6CDDCEF-5DC1-BC59-AE50-F1D993226F8D}"/>
               </a:ext>
             </a:extLst>
           </p:cNvPr>
@@ -1846,7 +1846,7 @@
           <p:cNvPr id="9" name="灯片编号占位符 8">
             <a:extLst>
               <a:ext uri="{FF2B5EF4-FFF2-40B4-BE49-F238E27FC236}">
-                <a16:creationId xmlns:a16="http://schemas.microsoft.com/office/drawing/2014/main" id="{F8814B36-80B9-58D0-5590-91A3B03FA06E}"/>
+                <a16:creationId xmlns:a16="http://schemas.microsoft.com/office/drawing/2014/main" id="{7ACD4537-6E5B-890F-9DBF-4675A4E0FD8B}"/>
               </a:ext>
             </a:extLst>
           </p:cNvPr>
@@ -1862,7 +1862,7 @@
           <a:bodyPr/>
           <a:lstStyle/>
           <a:p>
-            <a:fld id="{C6231266-D360-4B2D-9AB5-7351A1479FBC}" type="slidenum">
+            <a:fld id="{B94E0B21-A42C-4E22-9492-1D25BBC8D889}" type="slidenum">
               <a:rPr lang="zh-CN" altLang="en-US" smtClean="0"/>
               <a:t>‹#›</a:t>
             </a:fld>
@@ -1873,7 +1873,7 @@
     </p:spTree>
     <p:extLst>
       <p:ext uri="{BB962C8B-B14F-4D97-AF65-F5344CB8AC3E}">
-        <p14:creationId xmlns:p14="http://schemas.microsoft.com/office/powerpoint/2010/main" val="4011978002"/>
+        <p14:creationId xmlns:p14="http://schemas.microsoft.com/office/powerpoint/2010/main" val="2497808157"/>
       </p:ext>
     </p:extLst>
   </p:cSld>
@@ -1905,7 +1905,7 @@
           <p:cNvPr id="2" name="标题 1">
             <a:extLst>
               <a:ext uri="{FF2B5EF4-FFF2-40B4-BE49-F238E27FC236}">
-                <a16:creationId xmlns:a16="http://schemas.microsoft.com/office/drawing/2014/main" id="{7F1EB57D-8682-D3B7-FC18-202D814D0EAE}"/>
+                <a16:creationId xmlns:a16="http://schemas.microsoft.com/office/drawing/2014/main" id="{5FA07945-1880-C297-E429-DF2FB0566621}"/>
               </a:ext>
             </a:extLst>
           </p:cNvPr>
@@ -1933,7 +1933,7 @@
           <p:cNvPr id="3" name="日期占位符 2">
             <a:extLst>
               <a:ext uri="{FF2B5EF4-FFF2-40B4-BE49-F238E27FC236}">
-                <a16:creationId xmlns:a16="http://schemas.microsoft.com/office/drawing/2014/main" id="{CCA1151A-579E-FDA4-6C72-124B6DF2CEE6}"/>
+                <a16:creationId xmlns:a16="http://schemas.microsoft.com/office/drawing/2014/main" id="{98DB63F1-B0C4-FAE5-4EEF-7A10E161D1E8}"/>
               </a:ext>
             </a:extLst>
           </p:cNvPr>
@@ -1949,7 +1949,7 @@
           <a:bodyPr/>
           <a:lstStyle/>
           <a:p>
-            <a:fld id="{DA3862A0-FCC6-4C04-97E7-BFADA819B2B0}" type="datetimeFigureOut">
+            <a:fld id="{2BA32728-FF43-4A54-AD6E-FE276772502E}" type="datetimeFigureOut">
               <a:rPr lang="zh-CN" altLang="en-US" smtClean="0"/>
               <a:t>2024/3/10</a:t>
             </a:fld>
@@ -1962,7 +1962,7 @@
           <p:cNvPr id="4" name="页脚占位符 3">
             <a:extLst>
               <a:ext uri="{FF2B5EF4-FFF2-40B4-BE49-F238E27FC236}">
-                <a16:creationId xmlns:a16="http://schemas.microsoft.com/office/drawing/2014/main" id="{31D11EE9-F386-411B-51D4-CC1D067B8EBC}"/>
+                <a16:creationId xmlns:a16="http://schemas.microsoft.com/office/drawing/2014/main" id="{1F2D5776-7C91-7F87-696D-5B8CE2BBAA07}"/>
               </a:ext>
             </a:extLst>
           </p:cNvPr>
@@ -1987,7 +1987,7 @@
           <p:cNvPr id="5" name="灯片编号占位符 4">
             <a:extLst>
               <a:ext uri="{FF2B5EF4-FFF2-40B4-BE49-F238E27FC236}">
-                <a16:creationId xmlns:a16="http://schemas.microsoft.com/office/drawing/2014/main" id="{CB6F5372-16AE-25A4-4EAA-5C98B81C224C}"/>
+                <a16:creationId xmlns:a16="http://schemas.microsoft.com/office/drawing/2014/main" id="{FB70CC1A-59F4-CEE0-0755-688586682AB0}"/>
               </a:ext>
             </a:extLst>
           </p:cNvPr>
@@ -2003,7 +2003,7 @@
           <a:bodyPr/>
           <a:lstStyle/>
           <a:p>
-            <a:fld id="{C6231266-D360-4B2D-9AB5-7351A1479FBC}" type="slidenum">
+            <a:fld id="{B94E0B21-A42C-4E22-9492-1D25BBC8D889}" type="slidenum">
               <a:rPr lang="zh-CN" altLang="en-US" smtClean="0"/>
               <a:t>‹#›</a:t>
             </a:fld>
@@ -2014,7 +2014,7 @@
     </p:spTree>
     <p:extLst>
       <p:ext uri="{BB962C8B-B14F-4D97-AF65-F5344CB8AC3E}">
-        <p14:creationId xmlns:p14="http://schemas.microsoft.com/office/powerpoint/2010/main" val="2899817989"/>
+        <p14:creationId xmlns:p14="http://schemas.microsoft.com/office/powerpoint/2010/main" val="4066611327"/>
       </p:ext>
     </p:extLst>
   </p:cSld>
@@ -2046,7 +2046,7 @@
           <p:cNvPr id="2" name="日期占位符 1">
             <a:extLst>
               <a:ext uri="{FF2B5EF4-FFF2-40B4-BE49-F238E27FC236}">
-                <a16:creationId xmlns:a16="http://schemas.microsoft.com/office/drawing/2014/main" id="{E54C265E-AE7F-4578-F74F-668DA53A0F48}"/>
+                <a16:creationId xmlns:a16="http://schemas.microsoft.com/office/drawing/2014/main" id="{8297C1BB-C3A2-73D3-31A6-4C6095E6AE3C}"/>
               </a:ext>
             </a:extLst>
           </p:cNvPr>
@@ -2062,7 +2062,7 @@
           <a:bodyPr/>
           <a:lstStyle/>
           <a:p>
-            <a:fld id="{DA3862A0-FCC6-4C04-97E7-BFADA819B2B0}" type="datetimeFigureOut">
+            <a:fld id="{2BA32728-FF43-4A54-AD6E-FE276772502E}" type="datetimeFigureOut">
               <a:rPr lang="zh-CN" altLang="en-US" smtClean="0"/>
               <a:t>2024/3/10</a:t>
             </a:fld>
@@ -2075,7 +2075,7 @@
           <p:cNvPr id="3" name="页脚占位符 2">
             <a:extLst>
               <a:ext uri="{FF2B5EF4-FFF2-40B4-BE49-F238E27FC236}">
-                <a16:creationId xmlns:a16="http://schemas.microsoft.com/office/drawing/2014/main" id="{A0252F6B-B759-E301-063E-F02D07C492BF}"/>
+                <a16:creationId xmlns:a16="http://schemas.microsoft.com/office/drawing/2014/main" id="{2D28C7EE-5B09-AD93-7BD2-844C834F75C6}"/>
               </a:ext>
             </a:extLst>
           </p:cNvPr>
@@ -2100,7 +2100,7 @@
           <p:cNvPr id="4" name="灯片编号占位符 3">
             <a:extLst>
               <a:ext uri="{FF2B5EF4-FFF2-40B4-BE49-F238E27FC236}">
-                <a16:creationId xmlns:a16="http://schemas.microsoft.com/office/drawing/2014/main" id="{FC56E5BA-8FCC-8956-2D3A-CAB53CD34074}"/>
+                <a16:creationId xmlns:a16="http://schemas.microsoft.com/office/drawing/2014/main" id="{7DAAFE77-EECD-334F-26FD-27BF531645BD}"/>
               </a:ext>
             </a:extLst>
           </p:cNvPr>
@@ -2116,7 +2116,7 @@
           <a:bodyPr/>
           <a:lstStyle/>
           <a:p>
-            <a:fld id="{C6231266-D360-4B2D-9AB5-7351A1479FBC}" type="slidenum">
+            <a:fld id="{B94E0B21-A42C-4E22-9492-1D25BBC8D889}" type="slidenum">
               <a:rPr lang="zh-CN" altLang="en-US" smtClean="0"/>
               <a:t>‹#›</a:t>
             </a:fld>
@@ -2127,7 +2127,7 @@
     </p:spTree>
     <p:extLst>
       <p:ext uri="{BB962C8B-B14F-4D97-AF65-F5344CB8AC3E}">
-        <p14:creationId xmlns:p14="http://schemas.microsoft.com/office/powerpoint/2010/main" val="2478812666"/>
+        <p14:creationId xmlns:p14="http://schemas.microsoft.com/office/powerpoint/2010/main" val="249393890"/>
       </p:ext>
     </p:extLst>
   </p:cSld>
@@ -2159,7 +2159,7 @@
           <p:cNvPr id="2" name="标题 1">
             <a:extLst>
               <a:ext uri="{FF2B5EF4-FFF2-40B4-BE49-F238E27FC236}">
-                <a16:creationId xmlns:a16="http://schemas.microsoft.com/office/drawing/2014/main" id="{55A315F5-F44E-E7F1-1A29-5001ADAC599A}"/>
+                <a16:creationId xmlns:a16="http://schemas.microsoft.com/office/drawing/2014/main" id="{F53C51FC-F570-10E9-E554-4787B7F4B748}"/>
               </a:ext>
             </a:extLst>
           </p:cNvPr>
@@ -2196,7 +2196,7 @@
           <p:cNvPr id="3" name="内容占位符 2">
             <a:extLst>
               <a:ext uri="{FF2B5EF4-FFF2-40B4-BE49-F238E27FC236}">
-                <a16:creationId xmlns:a16="http://schemas.microsoft.com/office/drawing/2014/main" id="{A7DA08BB-A1D3-3053-35E8-9684B88A314C}"/>
+                <a16:creationId xmlns:a16="http://schemas.microsoft.com/office/drawing/2014/main" id="{5B497395-D911-5B4B-4A39-A7DF713F7CFB}"/>
               </a:ext>
             </a:extLst>
           </p:cNvPr>
@@ -2286,7 +2286,7 @@
           <p:cNvPr id="4" name="文本占位符 3">
             <a:extLst>
               <a:ext uri="{FF2B5EF4-FFF2-40B4-BE49-F238E27FC236}">
-                <a16:creationId xmlns:a16="http://schemas.microsoft.com/office/drawing/2014/main" id="{9C6740AF-E759-6103-D556-ABD82FC5AFFD}"/>
+                <a16:creationId xmlns:a16="http://schemas.microsoft.com/office/drawing/2014/main" id="{63CC81ED-2A01-AF10-2566-CAB3E0097CC6}"/>
               </a:ext>
             </a:extLst>
           </p:cNvPr>
@@ -2357,7 +2357,7 @@
           <p:cNvPr id="5" name="日期占位符 4">
             <a:extLst>
               <a:ext uri="{FF2B5EF4-FFF2-40B4-BE49-F238E27FC236}">
-                <a16:creationId xmlns:a16="http://schemas.microsoft.com/office/drawing/2014/main" id="{FF5BF6AC-F42E-925C-625D-E03DBC088E4C}"/>
+                <a16:creationId xmlns:a16="http://schemas.microsoft.com/office/drawing/2014/main" id="{6119BC3E-2D96-12F8-CEF7-024B00C96158}"/>
               </a:ext>
             </a:extLst>
           </p:cNvPr>
@@ -2373,7 +2373,7 @@
           <a:bodyPr/>
           <a:lstStyle/>
           <a:p>
-            <a:fld id="{DA3862A0-FCC6-4C04-97E7-BFADA819B2B0}" type="datetimeFigureOut">
+            <a:fld id="{2BA32728-FF43-4A54-AD6E-FE276772502E}" type="datetimeFigureOut">
               <a:rPr lang="zh-CN" altLang="en-US" smtClean="0"/>
               <a:t>2024/3/10</a:t>
             </a:fld>
@@ -2386,7 +2386,7 @@
           <p:cNvPr id="6" name="页脚占位符 5">
             <a:extLst>
               <a:ext uri="{FF2B5EF4-FFF2-40B4-BE49-F238E27FC236}">
-                <a16:creationId xmlns:a16="http://schemas.microsoft.com/office/drawing/2014/main" id="{F17BD9EA-167D-FFDC-7036-9BFF8E0E2716}"/>
+                <a16:creationId xmlns:a16="http://schemas.microsoft.com/office/drawing/2014/main" id="{7FFB779D-6961-53EB-C62C-F5ED1B7E2044}"/>
               </a:ext>
             </a:extLst>
           </p:cNvPr>
@@ -2411,7 +2411,7 @@
           <p:cNvPr id="7" name="灯片编号占位符 6">
             <a:extLst>
               <a:ext uri="{FF2B5EF4-FFF2-40B4-BE49-F238E27FC236}">
-                <a16:creationId xmlns:a16="http://schemas.microsoft.com/office/drawing/2014/main" id="{253F5D18-6171-3559-7251-6F4DAD295E4C}"/>
+                <a16:creationId xmlns:a16="http://schemas.microsoft.com/office/drawing/2014/main" id="{E43BD66C-A6EF-3CBF-95CB-7019ABB0286C}"/>
               </a:ext>
             </a:extLst>
           </p:cNvPr>
@@ -2427,7 +2427,7 @@
           <a:bodyPr/>
           <a:lstStyle/>
           <a:p>
-            <a:fld id="{C6231266-D360-4B2D-9AB5-7351A1479FBC}" type="slidenum">
+            <a:fld id="{B94E0B21-A42C-4E22-9492-1D25BBC8D889}" type="slidenum">
               <a:rPr lang="zh-CN" altLang="en-US" smtClean="0"/>
               <a:t>‹#›</a:t>
             </a:fld>
@@ -2438,7 +2438,7 @@
     </p:spTree>
     <p:extLst>
       <p:ext uri="{BB962C8B-B14F-4D97-AF65-F5344CB8AC3E}">
-        <p14:creationId xmlns:p14="http://schemas.microsoft.com/office/powerpoint/2010/main" val="3464888186"/>
+        <p14:creationId xmlns:p14="http://schemas.microsoft.com/office/powerpoint/2010/main" val="1974386952"/>
       </p:ext>
     </p:extLst>
   </p:cSld>
@@ -2470,7 +2470,7 @@
           <p:cNvPr id="2" name="标题 1">
             <a:extLst>
               <a:ext uri="{FF2B5EF4-FFF2-40B4-BE49-F238E27FC236}">
-                <a16:creationId xmlns:a16="http://schemas.microsoft.com/office/drawing/2014/main" id="{7F51BBA3-2388-2D9B-EDDF-EEF38BB54E70}"/>
+                <a16:creationId xmlns:a16="http://schemas.microsoft.com/office/drawing/2014/main" id="{B0EBF4A3-0250-AB19-A940-2479FA900C09}"/>
               </a:ext>
             </a:extLst>
           </p:cNvPr>
@@ -2507,7 +2507,7 @@
           <p:cNvPr id="3" name="图片占位符 2">
             <a:extLst>
               <a:ext uri="{FF2B5EF4-FFF2-40B4-BE49-F238E27FC236}">
-                <a16:creationId xmlns:a16="http://schemas.microsoft.com/office/drawing/2014/main" id="{868AD055-A733-4B08-E1CC-42586A19C4C6}"/>
+                <a16:creationId xmlns:a16="http://schemas.microsoft.com/office/drawing/2014/main" id="{1CC4B056-5282-02EE-7CA1-EB4D290CE235}"/>
               </a:ext>
             </a:extLst>
           </p:cNvPr>
@@ -2574,7 +2574,7 @@
           <p:cNvPr id="4" name="文本占位符 3">
             <a:extLst>
               <a:ext uri="{FF2B5EF4-FFF2-40B4-BE49-F238E27FC236}">
-                <a16:creationId xmlns:a16="http://schemas.microsoft.com/office/drawing/2014/main" id="{BD8C751F-1960-32BD-FF5D-27F6CFD2CEC9}"/>
+                <a16:creationId xmlns:a16="http://schemas.microsoft.com/office/drawing/2014/main" id="{CA3A890D-B7A8-E465-2F7F-05FEBB5267F4}"/>
               </a:ext>
             </a:extLst>
           </p:cNvPr>
@@ -2645,7 +2645,7 @@
           <p:cNvPr id="5" name="日期占位符 4">
             <a:extLst>
               <a:ext uri="{FF2B5EF4-FFF2-40B4-BE49-F238E27FC236}">
-                <a16:creationId xmlns:a16="http://schemas.microsoft.com/office/drawing/2014/main" id="{72CB2F65-99EC-8C98-6CF4-23EF544552C6}"/>
+                <a16:creationId xmlns:a16="http://schemas.microsoft.com/office/drawing/2014/main" id="{8289BF8C-5E25-C762-4E91-6E46B3A72739}"/>
               </a:ext>
             </a:extLst>
           </p:cNvPr>
@@ -2661,7 +2661,7 @@
           <a:bodyPr/>
           <a:lstStyle/>
           <a:p>
-            <a:fld id="{DA3862A0-FCC6-4C04-97E7-BFADA819B2B0}" type="datetimeFigureOut">
+            <a:fld id="{2BA32728-FF43-4A54-AD6E-FE276772502E}" type="datetimeFigureOut">
               <a:rPr lang="zh-CN" altLang="en-US" smtClean="0"/>
               <a:t>2024/3/10</a:t>
             </a:fld>
@@ -2674,7 +2674,7 @@
           <p:cNvPr id="6" name="页脚占位符 5">
             <a:extLst>
               <a:ext uri="{FF2B5EF4-FFF2-40B4-BE49-F238E27FC236}">
-                <a16:creationId xmlns:a16="http://schemas.microsoft.com/office/drawing/2014/main" id="{A829958F-CB22-0D57-83BC-5DDECB3FC145}"/>
+                <a16:creationId xmlns:a16="http://schemas.microsoft.com/office/drawing/2014/main" id="{83DF16EA-D0D6-D97D-9014-CEE3761560E8}"/>
               </a:ext>
             </a:extLst>
           </p:cNvPr>
@@ -2699,7 +2699,7 @@
           <p:cNvPr id="7" name="灯片编号占位符 6">
             <a:extLst>
               <a:ext uri="{FF2B5EF4-FFF2-40B4-BE49-F238E27FC236}">
-                <a16:creationId xmlns:a16="http://schemas.microsoft.com/office/drawing/2014/main" id="{D0AE0F12-2D5F-A2D5-A624-B24FAD6BFE6C}"/>
+                <a16:creationId xmlns:a16="http://schemas.microsoft.com/office/drawing/2014/main" id="{4F86E10F-7FBE-9CD9-C565-812E97DE5FDB}"/>
               </a:ext>
             </a:extLst>
           </p:cNvPr>
@@ -2715,7 +2715,7 @@
           <a:bodyPr/>
           <a:lstStyle/>
           <a:p>
-            <a:fld id="{C6231266-D360-4B2D-9AB5-7351A1479FBC}" type="slidenum">
+            <a:fld id="{B94E0B21-A42C-4E22-9492-1D25BBC8D889}" type="slidenum">
               <a:rPr lang="zh-CN" altLang="en-US" smtClean="0"/>
               <a:t>‹#›</a:t>
             </a:fld>
@@ -2726,7 +2726,7 @@
     </p:spTree>
     <p:extLst>
       <p:ext uri="{BB962C8B-B14F-4D97-AF65-F5344CB8AC3E}">
-        <p14:creationId xmlns:p14="http://schemas.microsoft.com/office/powerpoint/2010/main" val="3248856732"/>
+        <p14:creationId xmlns:p14="http://schemas.microsoft.com/office/powerpoint/2010/main" val="2172507077"/>
       </p:ext>
     </p:extLst>
   </p:cSld>
@@ -2763,7 +2763,7 @@
           <p:cNvPr id="2" name="标题占位符 1">
             <a:extLst>
               <a:ext uri="{FF2B5EF4-FFF2-40B4-BE49-F238E27FC236}">
-                <a16:creationId xmlns:a16="http://schemas.microsoft.com/office/drawing/2014/main" id="{6B15C750-92A9-596A-B81F-8881C1FCBD75}"/>
+                <a16:creationId xmlns:a16="http://schemas.microsoft.com/office/drawing/2014/main" id="{DB74F52A-8A02-FA95-6A5C-A16ADF9A4E28}"/>
               </a:ext>
             </a:extLst>
           </p:cNvPr>
@@ -2801,7 +2801,7 @@
           <p:cNvPr id="3" name="文本占位符 2">
             <a:extLst>
               <a:ext uri="{FF2B5EF4-FFF2-40B4-BE49-F238E27FC236}">
-                <a16:creationId xmlns:a16="http://schemas.microsoft.com/office/drawing/2014/main" id="{4B0B809B-FBD2-FAE0-47A0-E6588479226B}"/>
+                <a16:creationId xmlns:a16="http://schemas.microsoft.com/office/drawing/2014/main" id="{80088B1E-421C-D791-8617-B35EEA6EC895}"/>
               </a:ext>
             </a:extLst>
           </p:cNvPr>
@@ -2868,7 +2868,7 @@
           <p:cNvPr id="4" name="日期占位符 3">
             <a:extLst>
               <a:ext uri="{FF2B5EF4-FFF2-40B4-BE49-F238E27FC236}">
-                <a16:creationId xmlns:a16="http://schemas.microsoft.com/office/drawing/2014/main" id="{810A03F6-96C0-7DF5-0DB0-E218FBA53D37}"/>
+                <a16:creationId xmlns:a16="http://schemas.microsoft.com/office/drawing/2014/main" id="{846B8F34-D3BE-B18A-D99D-DCCED0E5FEED}"/>
               </a:ext>
             </a:extLst>
           </p:cNvPr>
@@ -2902,7 +2902,7 @@
             </a:lvl1pPr>
           </a:lstStyle>
           <a:p>
-            <a:fld id="{DA3862A0-FCC6-4C04-97E7-BFADA819B2B0}" type="datetimeFigureOut">
+            <a:fld id="{2BA32728-FF43-4A54-AD6E-FE276772502E}" type="datetimeFigureOut">
               <a:rPr lang="zh-CN" altLang="en-US" smtClean="0"/>
               <a:t>2024/3/10</a:t>
             </a:fld>
@@ -2915,7 +2915,7 @@
           <p:cNvPr id="5" name="页脚占位符 4">
             <a:extLst>
               <a:ext uri="{FF2B5EF4-FFF2-40B4-BE49-F238E27FC236}">
-                <a16:creationId xmlns:a16="http://schemas.microsoft.com/office/drawing/2014/main" id="{0B33C084-75AC-C6C0-1C45-5AFA3BBA2EB9}"/>
+                <a16:creationId xmlns:a16="http://schemas.microsoft.com/office/drawing/2014/main" id="{3650FC63-D92E-B1DF-E53D-7103E51C1D58}"/>
               </a:ext>
             </a:extLst>
           </p:cNvPr>
@@ -2958,7 +2958,7 @@
           <p:cNvPr id="6" name="灯片编号占位符 5">
             <a:extLst>
               <a:ext uri="{FF2B5EF4-FFF2-40B4-BE49-F238E27FC236}">
-                <a16:creationId xmlns:a16="http://schemas.microsoft.com/office/drawing/2014/main" id="{67DD0501-51C9-4F3E-3414-CE0848270C1B}"/>
+                <a16:creationId xmlns:a16="http://schemas.microsoft.com/office/drawing/2014/main" id="{6FFF4D98-24A8-5820-E3A6-34DF2AA2E4BB}"/>
               </a:ext>
             </a:extLst>
           </p:cNvPr>
@@ -2992,7 +2992,7 @@
             </a:lvl1pPr>
           </a:lstStyle>
           <a:p>
-            <a:fld id="{C6231266-D360-4B2D-9AB5-7351A1479FBC}" type="slidenum">
+            <a:fld id="{B94E0B21-A42C-4E22-9492-1D25BBC8D889}" type="slidenum">
               <a:rPr lang="zh-CN" altLang="en-US" smtClean="0"/>
               <a:t>‹#›</a:t>
             </a:fld>
@@ -3003,7 +3003,7 @@
     </p:spTree>
     <p:extLst>
       <p:ext uri="{BB962C8B-B14F-4D97-AF65-F5344CB8AC3E}">
-        <p14:creationId xmlns:p14="http://schemas.microsoft.com/office/powerpoint/2010/main" val="633632515"/>
+        <p14:creationId xmlns:p14="http://schemas.microsoft.com/office/powerpoint/2010/main" val="2025628124"/>
       </p:ext>
     </p:extLst>
   </p:cSld>
